--- a/Week3-4/Week3_Slides.pptx
+++ b/Week3-4/Week3_Slides.pptx
@@ -521,6 +521,14 @@
           <a:bodyPr/>
           <a:lstStyle/>
           <a:p>
+            <a:r>
+              <a:rPr lang="en-US" dirty="0"/>
+              <a:t>If no access modifier -&gt; code will assume it </a:t>
+            </a:r>
+            <a:r>
+              <a:rPr lang="en-US"/>
+              <a:t>is private</a:t>
+            </a:r>
             <a:endParaRPr lang="en-US" dirty="0"/>
           </a:p>
         </p:txBody>
